--- a/crypto/ECC/Elliptic Curve.pptx
+++ b/crypto/ECC/Elliptic Curve.pptx
@@ -5779,7 +5779,7 @@
             <a:r>
               <a:rPr>
                 <a:sym typeface="+mn-ea"/>
-                <a:hlinkClick r:id="rId1" tooltip="" action="ppaction://hlinkfile"/>
+                <a:hlinkClick r:id="rId1" action="ppaction://hlinkfile"/>
               </a:rPr>
               <a:t>Schoof算法</a:t>
             </a:r>
@@ -11485,7 +11485,11 @@
             </a:pPr>
             <a:r>
               <a:rPr lang="zh-CN" altLang="en-US" sz="1400"/>
-              <a:t>// Curve parameters taken from [SECG] section 2.4.1.</a:t>
+              <a:t>// Curve parameters taken from [SECG] section 2.4.1. </a:t>
+            </a:r>
+            <a:r>
+              <a:rPr lang="en-US" altLang="zh-CN" sz="1400"/>
+              <a:t>a=0, b=7</a:t>
             </a:r>
             <a:endParaRPr lang="zh-CN" altLang="en-US" sz="1400"/>
           </a:p>
@@ -12000,7 +12004,7 @@
         <p:spPr/>
         <p:txBody>
           <a:bodyPr>
-            <a:normAutofit/>
+            <a:normAutofit lnSpcReduction="20000"/>
           </a:bodyPr>
           <a:p>
             <a:pPr marL="0" indent="0">
@@ -12032,15 +12036,37 @@
             </a:pPr>
             <a:r>
               <a:rPr lang="zh-CN" altLang="en-US"/>
-              <a:t>      17世纪的法国数学家马林·梅森在欧几里得、笛卡尔、费马等数学大师的有关研究基础上对2^P-1型素数作了大量的计算、验证。由于梅森学识渊博、才华横溢，是法兰西科学院的奠基人和当时欧洲科学界的中心人物。为了纪念他，数学界就把2^P-1型素数称为“梅森素数”。2300多年来，人类仅发现50个梅森素数。这种素数稀奇而迷人，故被人们称为“数学领域的璀璨瑰宝”。      </a:t>
-            </a:r>
+              <a:t>      17世纪的法国数学家马林·梅森在欧几里得、笛卡尔、费马等数学大师的有关研究基础上对2^P-1型素数作了大量的计算、验证。由于梅森学识渊博、才华横溢，是法兰西科学院的奠基人和当时欧洲科学界的中心人物。为了纪念他，数学界就把2^P-1型素数称为“梅森素数”。2300多年来，人类仅发现50个梅森素数。这种素数稀奇而迷人，故被人们称为“数学领域的璀璨瑰宝”。</a:t>
+            </a:r>
+            <a:endParaRPr lang="zh-CN" altLang="en-US"/>
+          </a:p>
+          <a:p>
+            <a:pPr marL="0" indent="0">
+              <a:buNone/>
+            </a:pPr>
+            <a:r>
+              <a:rPr lang="zh-CN" altLang="en-US"/>
+              <a:t>      计算梅森素数 </a:t>
+            </a:r>
+            <a:r>
+              <a:rPr lang="zh-CN" altLang="en-US">
+                <a:hlinkClick r:id="rId1" tooltip="" action="ppaction://hlinkfile"/>
+              </a:rPr>
+              <a:t>https://www.mersenne.org/</a:t>
+            </a:r>
+            <a:endParaRPr lang="zh-CN" altLang="en-US"/>
+          </a:p>
+          <a:p>
+            <a:pPr marL="0" indent="0">
+              <a:buNone/>
+            </a:pPr>
             <a:endParaRPr lang="zh-CN" altLang="en-US"/>
           </a:p>
         </p:txBody>
       </p:sp>
     </p:spTree>
     <p:custDataLst>
-      <p:tags r:id="rId1"/>
+      <p:tags r:id="rId2"/>
     </p:custDataLst>
   </p:cSld>
   <p:clrMapOvr>
@@ -12507,7 +12533,6 @@
             <a:pPr algn="ctr"/>
             <a:r>
               <a:rPr lang="zh-CN" altLang="en-US" sz="9600" b="1" i="1">
-                <a:ln/>
                 <a:gradFill>
                   <a:gsLst>
                     <a:gs pos="0">
@@ -12535,7 +12560,6 @@
             </a:r>
             <a:r>
               <a:rPr lang="zh-CN" altLang="en-US" sz="7200" b="1">
-                <a:ln/>
                 <a:gradFill>
                   <a:gsLst>
                     <a:gs pos="0">
@@ -12562,7 +12586,6 @@
               <a:t>！</a:t>
             </a:r>
             <a:endParaRPr lang="zh-CN" altLang="en-US" sz="7200" b="1">
-              <a:ln/>
               <a:gradFill>
                 <a:gsLst>
                   <a:gs pos="0">
